--- a/Assets/Powerpoints/semiConverter.pptx
+++ b/Assets/Powerpoints/semiConverter.pptx
@@ -263,7 +263,7 @@
           <a:p>
             <a:fld id="{9C40E5B9-CC53-47D4-9D08-330AD4D6CC12}" type="datetimeFigureOut">
               <a:rPr lang="en-IN" smtClean="0"/>
-              <a:t>01-11-2022</a:t>
+              <a:t>08-12-2022</a:t>
             </a:fld>
             <a:endParaRPr lang="en-IN"/>
           </a:p>
@@ -463,7 +463,7 @@
           <a:p>
             <a:fld id="{9C40E5B9-CC53-47D4-9D08-330AD4D6CC12}" type="datetimeFigureOut">
               <a:rPr lang="en-IN" smtClean="0"/>
-              <a:t>01-11-2022</a:t>
+              <a:t>08-12-2022</a:t>
             </a:fld>
             <a:endParaRPr lang="en-IN"/>
           </a:p>
@@ -673,7 +673,7 @@
           <a:p>
             <a:fld id="{9C40E5B9-CC53-47D4-9D08-330AD4D6CC12}" type="datetimeFigureOut">
               <a:rPr lang="en-IN" smtClean="0"/>
-              <a:t>01-11-2022</a:t>
+              <a:t>08-12-2022</a:t>
             </a:fld>
             <a:endParaRPr lang="en-IN"/>
           </a:p>
@@ -873,7 +873,7 @@
           <a:p>
             <a:fld id="{9C40E5B9-CC53-47D4-9D08-330AD4D6CC12}" type="datetimeFigureOut">
               <a:rPr lang="en-IN" smtClean="0"/>
-              <a:t>01-11-2022</a:t>
+              <a:t>08-12-2022</a:t>
             </a:fld>
             <a:endParaRPr lang="en-IN"/>
           </a:p>
@@ -1149,7 +1149,7 @@
           <a:p>
             <a:fld id="{9C40E5B9-CC53-47D4-9D08-330AD4D6CC12}" type="datetimeFigureOut">
               <a:rPr lang="en-IN" smtClean="0"/>
-              <a:t>01-11-2022</a:t>
+              <a:t>08-12-2022</a:t>
             </a:fld>
             <a:endParaRPr lang="en-IN"/>
           </a:p>
@@ -1417,7 +1417,7 @@
           <a:p>
             <a:fld id="{9C40E5B9-CC53-47D4-9D08-330AD4D6CC12}" type="datetimeFigureOut">
               <a:rPr lang="en-IN" smtClean="0"/>
-              <a:t>01-11-2022</a:t>
+              <a:t>08-12-2022</a:t>
             </a:fld>
             <a:endParaRPr lang="en-IN"/>
           </a:p>
@@ -1832,7 +1832,7 @@
           <a:p>
             <a:fld id="{9C40E5B9-CC53-47D4-9D08-330AD4D6CC12}" type="datetimeFigureOut">
               <a:rPr lang="en-IN" smtClean="0"/>
-              <a:t>01-11-2022</a:t>
+              <a:t>08-12-2022</a:t>
             </a:fld>
             <a:endParaRPr lang="en-IN"/>
           </a:p>
@@ -1974,7 +1974,7 @@
           <a:p>
             <a:fld id="{9C40E5B9-CC53-47D4-9D08-330AD4D6CC12}" type="datetimeFigureOut">
               <a:rPr lang="en-IN" smtClean="0"/>
-              <a:t>01-11-2022</a:t>
+              <a:t>08-12-2022</a:t>
             </a:fld>
             <a:endParaRPr lang="en-IN"/>
           </a:p>
@@ -2087,7 +2087,7 @@
           <a:p>
             <a:fld id="{9C40E5B9-CC53-47D4-9D08-330AD4D6CC12}" type="datetimeFigureOut">
               <a:rPr lang="en-IN" smtClean="0"/>
-              <a:t>01-11-2022</a:t>
+              <a:t>08-12-2022</a:t>
             </a:fld>
             <a:endParaRPr lang="en-IN"/>
           </a:p>
@@ -2400,7 +2400,7 @@
           <a:p>
             <a:fld id="{9C40E5B9-CC53-47D4-9D08-330AD4D6CC12}" type="datetimeFigureOut">
               <a:rPr lang="en-IN" smtClean="0"/>
-              <a:t>01-11-2022</a:t>
+              <a:t>08-12-2022</a:t>
             </a:fld>
             <a:endParaRPr lang="en-IN"/>
           </a:p>
@@ -2689,7 +2689,7 @@
           <a:p>
             <a:fld id="{9C40E5B9-CC53-47D4-9D08-330AD4D6CC12}" type="datetimeFigureOut">
               <a:rPr lang="en-IN" smtClean="0"/>
-              <a:t>01-11-2022</a:t>
+              <a:t>08-12-2022</a:t>
             </a:fld>
             <a:endParaRPr lang="en-IN"/>
           </a:p>
@@ -2932,7 +2932,7 @@
           <a:p>
             <a:fld id="{9C40E5B9-CC53-47D4-9D08-330AD4D6CC12}" type="datetimeFigureOut">
               <a:rPr lang="en-IN" smtClean="0"/>
-              <a:t>01-11-2022</a:t>
+              <a:t>08-12-2022</a:t>
             </a:fld>
             <a:endParaRPr lang="en-IN"/>
           </a:p>

--- a/Assets/Powerpoints/semiConverter.pptx
+++ b/Assets/Powerpoints/semiConverter.pptx
@@ -263,7 +263,7 @@
           <a:p>
             <a:fld id="{9C40E5B9-CC53-47D4-9D08-330AD4D6CC12}" type="datetimeFigureOut">
               <a:rPr lang="en-IN" smtClean="0"/>
-              <a:t>08-12-2022</a:t>
+              <a:t>19-12-2022</a:t>
             </a:fld>
             <a:endParaRPr lang="en-IN"/>
           </a:p>
@@ -463,7 +463,7 @@
           <a:p>
             <a:fld id="{9C40E5B9-CC53-47D4-9D08-330AD4D6CC12}" type="datetimeFigureOut">
               <a:rPr lang="en-IN" smtClean="0"/>
-              <a:t>08-12-2022</a:t>
+              <a:t>19-12-2022</a:t>
             </a:fld>
             <a:endParaRPr lang="en-IN"/>
           </a:p>
@@ -673,7 +673,7 @@
           <a:p>
             <a:fld id="{9C40E5B9-CC53-47D4-9D08-330AD4D6CC12}" type="datetimeFigureOut">
               <a:rPr lang="en-IN" smtClean="0"/>
-              <a:t>08-12-2022</a:t>
+              <a:t>19-12-2022</a:t>
             </a:fld>
             <a:endParaRPr lang="en-IN"/>
           </a:p>
@@ -873,7 +873,7 @@
           <a:p>
             <a:fld id="{9C40E5B9-CC53-47D4-9D08-330AD4D6CC12}" type="datetimeFigureOut">
               <a:rPr lang="en-IN" smtClean="0"/>
-              <a:t>08-12-2022</a:t>
+              <a:t>19-12-2022</a:t>
             </a:fld>
             <a:endParaRPr lang="en-IN"/>
           </a:p>
@@ -1149,7 +1149,7 @@
           <a:p>
             <a:fld id="{9C40E5B9-CC53-47D4-9D08-330AD4D6CC12}" type="datetimeFigureOut">
               <a:rPr lang="en-IN" smtClean="0"/>
-              <a:t>08-12-2022</a:t>
+              <a:t>19-12-2022</a:t>
             </a:fld>
             <a:endParaRPr lang="en-IN"/>
           </a:p>
@@ -1417,7 +1417,7 @@
           <a:p>
             <a:fld id="{9C40E5B9-CC53-47D4-9D08-330AD4D6CC12}" type="datetimeFigureOut">
               <a:rPr lang="en-IN" smtClean="0"/>
-              <a:t>08-12-2022</a:t>
+              <a:t>19-12-2022</a:t>
             </a:fld>
             <a:endParaRPr lang="en-IN"/>
           </a:p>
@@ -1832,7 +1832,7 @@
           <a:p>
             <a:fld id="{9C40E5B9-CC53-47D4-9D08-330AD4D6CC12}" type="datetimeFigureOut">
               <a:rPr lang="en-IN" smtClean="0"/>
-              <a:t>08-12-2022</a:t>
+              <a:t>19-12-2022</a:t>
             </a:fld>
             <a:endParaRPr lang="en-IN"/>
           </a:p>
@@ -1974,7 +1974,7 @@
           <a:p>
             <a:fld id="{9C40E5B9-CC53-47D4-9D08-330AD4D6CC12}" type="datetimeFigureOut">
               <a:rPr lang="en-IN" smtClean="0"/>
-              <a:t>08-12-2022</a:t>
+              <a:t>19-12-2022</a:t>
             </a:fld>
             <a:endParaRPr lang="en-IN"/>
           </a:p>
@@ -2087,7 +2087,7 @@
           <a:p>
             <a:fld id="{9C40E5B9-CC53-47D4-9D08-330AD4D6CC12}" type="datetimeFigureOut">
               <a:rPr lang="en-IN" smtClean="0"/>
-              <a:t>08-12-2022</a:t>
+              <a:t>19-12-2022</a:t>
             </a:fld>
             <a:endParaRPr lang="en-IN"/>
           </a:p>
@@ -2400,7 +2400,7 @@
           <a:p>
             <a:fld id="{9C40E5B9-CC53-47D4-9D08-330AD4D6CC12}" type="datetimeFigureOut">
               <a:rPr lang="en-IN" smtClean="0"/>
-              <a:t>08-12-2022</a:t>
+              <a:t>19-12-2022</a:t>
             </a:fld>
             <a:endParaRPr lang="en-IN"/>
           </a:p>
@@ -2689,7 +2689,7 @@
           <a:p>
             <a:fld id="{9C40E5B9-CC53-47D4-9D08-330AD4D6CC12}" type="datetimeFigureOut">
               <a:rPr lang="en-IN" smtClean="0"/>
-              <a:t>08-12-2022</a:t>
+              <a:t>19-12-2022</a:t>
             </a:fld>
             <a:endParaRPr lang="en-IN"/>
           </a:p>
@@ -2932,7 +2932,7 @@
           <a:p>
             <a:fld id="{9C40E5B9-CC53-47D4-9D08-330AD4D6CC12}" type="datetimeFigureOut">
               <a:rPr lang="en-IN" smtClean="0"/>
-              <a:t>08-12-2022</a:t>
+              <a:t>19-12-2022</a:t>
             </a:fld>
             <a:endParaRPr lang="en-IN"/>
           </a:p>
@@ -5490,10 +5490,10 @@
       </p:cxnSp>
       <p:grpSp>
         <p:nvGrpSpPr>
-          <p:cNvPr id="109" name="Group 108">
-            <a:extLst>
-              <a:ext uri="{FF2B5EF4-FFF2-40B4-BE49-F238E27FC236}">
-                <a16:creationId xmlns:a16="http://schemas.microsoft.com/office/drawing/2014/main" id="{533DFA5B-7BF7-CD64-26DA-05B32CDA53EC}"/>
+          <p:cNvPr id="2" name="Group 1">
+            <a:extLst>
+              <a:ext uri="{FF2B5EF4-FFF2-40B4-BE49-F238E27FC236}">
+                <a16:creationId xmlns:a16="http://schemas.microsoft.com/office/drawing/2014/main" id="{134E5A7A-EEBB-0727-24D7-64931C77DC79}"/>
               </a:ext>
             </a:extLst>
           </p:cNvPr>
@@ -5501,364 +5501,325 @@
           <p:nvPr/>
         </p:nvGrpSpPr>
         <p:grpSpPr>
-          <a:xfrm rot="10800000">
-            <a:off x="2115115" y="3255544"/>
-            <a:ext cx="247863" cy="803557"/>
-            <a:chOff x="409105" y="3279643"/>
-            <a:chExt cx="247863" cy="803557"/>
+          <a:xfrm>
+            <a:off x="2965555" y="3643178"/>
+            <a:ext cx="261023" cy="803557"/>
+            <a:chOff x="2101955" y="3255544"/>
+            <a:chExt cx="261023" cy="803557"/>
           </a:xfrm>
         </p:grpSpPr>
-        <p:grpSp>
-          <p:nvGrpSpPr>
-            <p:cNvPr id="3" name="Group 2">
+        <p:sp>
+          <p:nvSpPr>
+            <p:cNvPr id="46" name="Arc 45">
               <a:extLst>
                 <a:ext uri="{FF2B5EF4-FFF2-40B4-BE49-F238E27FC236}">
-                  <a16:creationId xmlns:a16="http://schemas.microsoft.com/office/drawing/2014/main" id="{BFDB04C0-EB19-5794-6666-BA338BAD0242}"/>
+                  <a16:creationId xmlns:a16="http://schemas.microsoft.com/office/drawing/2014/main" id="{19834CE6-A6F0-7806-C55A-528128AD65F5}"/>
                 </a:ext>
               </a:extLst>
             </p:cNvPr>
-            <p:cNvGrpSpPr/>
+            <p:cNvSpPr/>
             <p:nvPr/>
-          </p:nvGrpSpPr>
-          <p:grpSpPr>
-            <a:xfrm rot="5400000">
-              <a:off x="385415" y="3303333"/>
+          </p:nvSpPr>
+          <p:spPr>
+            <a:xfrm rot="16200000">
+              <a:off x="2108973" y="3805096"/>
               <a:ext cx="277695" cy="230315"/>
-              <a:chOff x="4314389" y="3293616"/>
-              <a:chExt cx="843537" cy="932155"/>
             </a:xfrm>
-          </p:grpSpPr>
-          <p:sp>
-            <p:nvSpPr>
-              <p:cNvPr id="46" name="Arc 45">
-                <a:extLst>
-                  <a:ext uri="{FF2B5EF4-FFF2-40B4-BE49-F238E27FC236}">
-                    <a16:creationId xmlns:a16="http://schemas.microsoft.com/office/drawing/2014/main" id="{19834CE6-A6F0-7806-C55A-528128AD65F5}"/>
-                  </a:ext>
-                </a:extLst>
-              </p:cNvPr>
-              <p:cNvSpPr/>
-              <p:nvPr/>
-            </p:nvSpPr>
-            <p:spPr>
-              <a:xfrm>
-                <a:off x="4314389" y="3293616"/>
-                <a:ext cx="843537" cy="932155"/>
-              </a:xfrm>
-              <a:prstGeom prst="arc">
-                <a:avLst>
-                  <a:gd name="adj1" fmla="val 10739696"/>
-                  <a:gd name="adj2" fmla="val 0"/>
-                </a:avLst>
-              </a:prstGeom>
-              <a:ln w="38100"/>
-            </p:spPr>
-            <p:style>
-              <a:lnRef idx="1">
-                <a:schemeClr val="dk1"/>
-              </a:lnRef>
-              <a:fillRef idx="0">
-                <a:schemeClr val="dk1"/>
-              </a:fillRef>
-              <a:effectRef idx="0">
-                <a:schemeClr val="dk1"/>
-              </a:effectRef>
-              <a:fontRef idx="minor">
-                <a:schemeClr val="tx1"/>
-              </a:fontRef>
-            </p:style>
-            <p:txBody>
-              <a:bodyPr rtlCol="0" anchor="ctr"/>
-              <a:lstStyle/>
-              <a:p>
-                <a:pPr algn="ctr"/>
-                <a:endParaRPr lang="en-IN"/>
-              </a:p>
-            </p:txBody>
-          </p:sp>
-          <p:sp>
-            <p:nvSpPr>
-              <p:cNvPr id="47" name="Arc 46">
-                <a:extLst>
-                  <a:ext uri="{FF2B5EF4-FFF2-40B4-BE49-F238E27FC236}">
-                    <a16:creationId xmlns:a16="http://schemas.microsoft.com/office/drawing/2014/main" id="{A83D8568-30D9-EB30-EC87-4CDDC4A9DF85}"/>
-                  </a:ext>
-                </a:extLst>
-              </p:cNvPr>
-              <p:cNvSpPr/>
-              <p:nvPr/>
-            </p:nvSpPr>
-            <p:spPr>
-              <a:xfrm flipV="1">
-                <a:off x="4838330" y="3360197"/>
-                <a:ext cx="319596" cy="803429"/>
-              </a:xfrm>
-              <a:prstGeom prst="arc">
-                <a:avLst>
-                  <a:gd name="adj1" fmla="val 10739696"/>
-                  <a:gd name="adj2" fmla="val 0"/>
-                </a:avLst>
-              </a:prstGeom>
-              <a:ln w="38100"/>
-            </p:spPr>
-            <p:style>
-              <a:lnRef idx="1">
-                <a:schemeClr val="dk1"/>
-              </a:lnRef>
-              <a:fillRef idx="0">
-                <a:schemeClr val="dk1"/>
-              </a:fillRef>
-              <a:effectRef idx="0">
-                <a:schemeClr val="dk1"/>
-              </a:effectRef>
-              <a:fontRef idx="minor">
-                <a:schemeClr val="tx1"/>
-              </a:fontRef>
-            </p:style>
-            <p:txBody>
-              <a:bodyPr rtlCol="0" anchor="ctr"/>
-              <a:lstStyle/>
-              <a:p>
-                <a:pPr algn="ctr"/>
-                <a:endParaRPr lang="en-IN"/>
-              </a:p>
-            </p:txBody>
-          </p:sp>
-        </p:grpSp>
-        <p:grpSp>
-          <p:nvGrpSpPr>
-            <p:cNvPr id="4" name="Group 3">
+            <a:prstGeom prst="arc">
+              <a:avLst>
+                <a:gd name="adj1" fmla="val 10739696"/>
+                <a:gd name="adj2" fmla="val 0"/>
+              </a:avLst>
+            </a:prstGeom>
+            <a:ln w="38100">
+              <a:solidFill>
+                <a:schemeClr val="accent1"/>
+              </a:solidFill>
+            </a:ln>
+          </p:spPr>
+          <p:style>
+            <a:lnRef idx="1">
+              <a:schemeClr val="dk1"/>
+            </a:lnRef>
+            <a:fillRef idx="0">
+              <a:schemeClr val="dk1"/>
+            </a:fillRef>
+            <a:effectRef idx="0">
+              <a:schemeClr val="dk1"/>
+            </a:effectRef>
+            <a:fontRef idx="minor">
+              <a:schemeClr val="tx1"/>
+            </a:fontRef>
+          </p:style>
+          <p:txBody>
+            <a:bodyPr rtlCol="0" anchor="ctr"/>
+            <a:lstStyle/>
+            <a:p>
+              <a:pPr algn="ctr"/>
+              <a:endParaRPr lang="en-IN"/>
+            </a:p>
+          </p:txBody>
+        </p:sp>
+        <p:sp>
+          <p:nvSpPr>
+            <p:cNvPr id="47" name="Arc 46">
               <a:extLst>
                 <a:ext uri="{FF2B5EF4-FFF2-40B4-BE49-F238E27FC236}">
-                  <a16:creationId xmlns:a16="http://schemas.microsoft.com/office/drawing/2014/main" id="{0C509FD8-5CA3-8ED0-8237-CD104C71BCD2}"/>
+                  <a16:creationId xmlns:a16="http://schemas.microsoft.com/office/drawing/2014/main" id="{A83D8568-30D9-EB30-EC87-4CDDC4A9DF85}"/>
                 </a:ext>
               </a:extLst>
             </p:cNvPr>
-            <p:cNvGrpSpPr/>
+            <p:cNvSpPr/>
             <p:nvPr/>
-          </p:nvGrpSpPr>
-          <p:grpSpPr>
-            <a:xfrm rot="5400000">
-              <a:off x="387609" y="3475816"/>
-              <a:ext cx="277695" cy="230315"/>
-              <a:chOff x="4314389" y="3293616"/>
-              <a:chExt cx="843537" cy="932155"/>
+          </p:nvSpPr>
+          <p:spPr>
+            <a:xfrm rot="16200000" flipV="1">
+              <a:off x="2185344" y="3724337"/>
+              <a:ext cx="105212" cy="219349"/>
             </a:xfrm>
-          </p:grpSpPr>
-          <p:sp>
-            <p:nvSpPr>
-              <p:cNvPr id="44" name="Arc 43">
-                <a:extLst>
-                  <a:ext uri="{FF2B5EF4-FFF2-40B4-BE49-F238E27FC236}">
-                    <a16:creationId xmlns:a16="http://schemas.microsoft.com/office/drawing/2014/main" id="{544ACD4F-416B-4FB4-6044-14BB58ABC5D7}"/>
-                  </a:ext>
-                </a:extLst>
-              </p:cNvPr>
-              <p:cNvSpPr/>
-              <p:nvPr/>
-            </p:nvSpPr>
-            <p:spPr>
-              <a:xfrm>
-                <a:off x="4314389" y="3293616"/>
-                <a:ext cx="843537" cy="932155"/>
-              </a:xfrm>
-              <a:prstGeom prst="arc">
-                <a:avLst>
-                  <a:gd name="adj1" fmla="val 10739696"/>
-                  <a:gd name="adj2" fmla="val 0"/>
-                </a:avLst>
-              </a:prstGeom>
-              <a:ln w="38100"/>
-            </p:spPr>
-            <p:style>
-              <a:lnRef idx="1">
-                <a:schemeClr val="dk1"/>
-              </a:lnRef>
-              <a:fillRef idx="0">
-                <a:schemeClr val="dk1"/>
-              </a:fillRef>
-              <a:effectRef idx="0">
-                <a:schemeClr val="dk1"/>
-              </a:effectRef>
-              <a:fontRef idx="minor">
-                <a:schemeClr val="tx1"/>
-              </a:fontRef>
-            </p:style>
-            <p:txBody>
-              <a:bodyPr rtlCol="0" anchor="ctr"/>
-              <a:lstStyle/>
-              <a:p>
-                <a:pPr algn="ctr"/>
-                <a:endParaRPr lang="en-IN"/>
-              </a:p>
-            </p:txBody>
-          </p:sp>
-          <p:sp>
-            <p:nvSpPr>
-              <p:cNvPr id="45" name="Arc 44">
-                <a:extLst>
-                  <a:ext uri="{FF2B5EF4-FFF2-40B4-BE49-F238E27FC236}">
-                    <a16:creationId xmlns:a16="http://schemas.microsoft.com/office/drawing/2014/main" id="{9C6D2E3D-F7D6-A2AC-771B-D4ABC0C21DBB}"/>
-                  </a:ext>
-                </a:extLst>
-              </p:cNvPr>
-              <p:cNvSpPr/>
-              <p:nvPr/>
-            </p:nvSpPr>
-            <p:spPr>
-              <a:xfrm flipV="1">
-                <a:off x="4838330" y="3360197"/>
-                <a:ext cx="319596" cy="803429"/>
-              </a:xfrm>
-              <a:prstGeom prst="arc">
-                <a:avLst>
-                  <a:gd name="adj1" fmla="val 10739696"/>
-                  <a:gd name="adj2" fmla="val 0"/>
-                </a:avLst>
-              </a:prstGeom>
-              <a:ln w="38100"/>
-            </p:spPr>
-            <p:style>
-              <a:lnRef idx="1">
-                <a:schemeClr val="dk1"/>
-              </a:lnRef>
-              <a:fillRef idx="0">
-                <a:schemeClr val="dk1"/>
-              </a:fillRef>
-              <a:effectRef idx="0">
-                <a:schemeClr val="dk1"/>
-              </a:effectRef>
-              <a:fontRef idx="minor">
-                <a:schemeClr val="tx1"/>
-              </a:fontRef>
-            </p:style>
-            <p:txBody>
-              <a:bodyPr rtlCol="0" anchor="ctr"/>
-              <a:lstStyle/>
-              <a:p>
-                <a:pPr algn="ctr"/>
-                <a:endParaRPr lang="en-IN"/>
-              </a:p>
-            </p:txBody>
-          </p:sp>
-        </p:grpSp>
-        <p:grpSp>
-          <p:nvGrpSpPr>
-            <p:cNvPr id="6" name="Group 5">
+            <a:prstGeom prst="arc">
+              <a:avLst>
+                <a:gd name="adj1" fmla="val 10739696"/>
+                <a:gd name="adj2" fmla="val 0"/>
+              </a:avLst>
+            </a:prstGeom>
+            <a:ln w="38100">
+              <a:solidFill>
+                <a:schemeClr val="accent1"/>
+              </a:solidFill>
+            </a:ln>
+          </p:spPr>
+          <p:style>
+            <a:lnRef idx="1">
+              <a:schemeClr val="dk1"/>
+            </a:lnRef>
+            <a:fillRef idx="0">
+              <a:schemeClr val="dk1"/>
+            </a:fillRef>
+            <a:effectRef idx="0">
+              <a:schemeClr val="dk1"/>
+            </a:effectRef>
+            <a:fontRef idx="minor">
+              <a:schemeClr val="tx1"/>
+            </a:fontRef>
+          </p:style>
+          <p:txBody>
+            <a:bodyPr rtlCol="0" anchor="ctr"/>
+            <a:lstStyle/>
+            <a:p>
+              <a:pPr algn="ctr"/>
+              <a:endParaRPr lang="en-IN"/>
+            </a:p>
+          </p:txBody>
+        </p:sp>
+        <p:sp>
+          <p:nvSpPr>
+            <p:cNvPr id="44" name="Arc 43">
               <a:extLst>
                 <a:ext uri="{FF2B5EF4-FFF2-40B4-BE49-F238E27FC236}">
-                  <a16:creationId xmlns:a16="http://schemas.microsoft.com/office/drawing/2014/main" id="{04D5244F-B8EA-A524-B0CA-BBA2574B4BF8}"/>
+                  <a16:creationId xmlns:a16="http://schemas.microsoft.com/office/drawing/2014/main" id="{544ACD4F-416B-4FB4-6044-14BB58ABC5D7}"/>
                 </a:ext>
               </a:extLst>
             </p:cNvPr>
-            <p:cNvGrpSpPr/>
+            <p:cNvSpPr/>
             <p:nvPr/>
-          </p:nvGrpSpPr>
-          <p:grpSpPr>
-            <a:xfrm rot="5400000">
-              <a:off x="389803" y="3648299"/>
+          </p:nvSpPr>
+          <p:spPr>
+            <a:xfrm rot="16200000">
+              <a:off x="2106779" y="3632613"/>
               <a:ext cx="277695" cy="230315"/>
-              <a:chOff x="4314389" y="3293616"/>
-              <a:chExt cx="843537" cy="932155"/>
             </a:xfrm>
-          </p:grpSpPr>
-          <p:sp>
-            <p:nvSpPr>
-              <p:cNvPr id="42" name="Arc 41">
-                <a:extLst>
-                  <a:ext uri="{FF2B5EF4-FFF2-40B4-BE49-F238E27FC236}">
-                    <a16:creationId xmlns:a16="http://schemas.microsoft.com/office/drawing/2014/main" id="{FAC95FAF-BBD3-2DA2-799A-EC929054FDE4}"/>
-                  </a:ext>
-                </a:extLst>
-              </p:cNvPr>
-              <p:cNvSpPr/>
-              <p:nvPr/>
-            </p:nvSpPr>
-            <p:spPr>
-              <a:xfrm>
-                <a:off x="4314389" y="3293616"/>
-                <a:ext cx="843537" cy="932155"/>
-              </a:xfrm>
-              <a:prstGeom prst="arc">
-                <a:avLst>
-                  <a:gd name="adj1" fmla="val 10739696"/>
-                  <a:gd name="adj2" fmla="val 0"/>
-                </a:avLst>
-              </a:prstGeom>
-              <a:ln w="38100"/>
-            </p:spPr>
-            <p:style>
-              <a:lnRef idx="1">
-                <a:schemeClr val="dk1"/>
-              </a:lnRef>
-              <a:fillRef idx="0">
-                <a:schemeClr val="dk1"/>
-              </a:fillRef>
-              <a:effectRef idx="0">
-                <a:schemeClr val="dk1"/>
-              </a:effectRef>
-              <a:fontRef idx="minor">
-                <a:schemeClr val="tx1"/>
-              </a:fontRef>
-            </p:style>
-            <p:txBody>
-              <a:bodyPr rtlCol="0" anchor="ctr"/>
-              <a:lstStyle/>
-              <a:p>
-                <a:pPr algn="ctr"/>
-                <a:endParaRPr lang="en-IN"/>
-              </a:p>
-            </p:txBody>
-          </p:sp>
-          <p:sp>
-            <p:nvSpPr>
-              <p:cNvPr id="43" name="Arc 42">
-                <a:extLst>
-                  <a:ext uri="{FF2B5EF4-FFF2-40B4-BE49-F238E27FC236}">
-                    <a16:creationId xmlns:a16="http://schemas.microsoft.com/office/drawing/2014/main" id="{2ADC982B-8627-E1C3-3D85-C688E98DC269}"/>
-                  </a:ext>
-                </a:extLst>
-              </p:cNvPr>
-              <p:cNvSpPr/>
-              <p:nvPr/>
-            </p:nvSpPr>
-            <p:spPr>
-              <a:xfrm flipV="1">
-                <a:off x="4838330" y="3360197"/>
-                <a:ext cx="319596" cy="803429"/>
-              </a:xfrm>
-              <a:prstGeom prst="arc">
-                <a:avLst>
-                  <a:gd name="adj1" fmla="val 10739696"/>
-                  <a:gd name="adj2" fmla="val 0"/>
-                </a:avLst>
-              </a:prstGeom>
-              <a:ln w="38100"/>
-            </p:spPr>
-            <p:style>
-              <a:lnRef idx="1">
-                <a:schemeClr val="dk1"/>
-              </a:lnRef>
-              <a:fillRef idx="0">
-                <a:schemeClr val="dk1"/>
-              </a:fillRef>
-              <a:effectRef idx="0">
-                <a:schemeClr val="dk1"/>
-              </a:effectRef>
-              <a:fontRef idx="minor">
-                <a:schemeClr val="tx1"/>
-              </a:fontRef>
-            </p:style>
-            <p:txBody>
-              <a:bodyPr rtlCol="0" anchor="ctr"/>
-              <a:lstStyle/>
-              <a:p>
-                <a:pPr algn="ctr"/>
-                <a:endParaRPr lang="en-IN"/>
-              </a:p>
-            </p:txBody>
-          </p:sp>
-        </p:grpSp>
+            <a:prstGeom prst="arc">
+              <a:avLst>
+                <a:gd name="adj1" fmla="val 10739696"/>
+                <a:gd name="adj2" fmla="val 0"/>
+              </a:avLst>
+            </a:prstGeom>
+            <a:ln w="38100">
+              <a:solidFill>
+                <a:schemeClr val="accent1"/>
+              </a:solidFill>
+            </a:ln>
+          </p:spPr>
+          <p:style>
+            <a:lnRef idx="1">
+              <a:schemeClr val="dk1"/>
+            </a:lnRef>
+            <a:fillRef idx="0">
+              <a:schemeClr val="dk1"/>
+            </a:fillRef>
+            <a:effectRef idx="0">
+              <a:schemeClr val="dk1"/>
+            </a:effectRef>
+            <a:fontRef idx="minor">
+              <a:schemeClr val="tx1"/>
+            </a:fontRef>
+          </p:style>
+          <p:txBody>
+            <a:bodyPr rtlCol="0" anchor="ctr"/>
+            <a:lstStyle/>
+            <a:p>
+              <a:pPr algn="ctr"/>
+              <a:endParaRPr lang="en-IN"/>
+            </a:p>
+          </p:txBody>
+        </p:sp>
+        <p:sp>
+          <p:nvSpPr>
+            <p:cNvPr id="45" name="Arc 44">
+              <a:extLst>
+                <a:ext uri="{FF2B5EF4-FFF2-40B4-BE49-F238E27FC236}">
+                  <a16:creationId xmlns:a16="http://schemas.microsoft.com/office/drawing/2014/main" id="{9C6D2E3D-F7D6-A2AC-771B-D4ABC0C21DBB}"/>
+                </a:ext>
+              </a:extLst>
+            </p:cNvPr>
+            <p:cNvSpPr/>
+            <p:nvPr/>
+          </p:nvSpPr>
+          <p:spPr>
+            <a:xfrm rot="16200000" flipV="1">
+              <a:off x="2193569" y="3562274"/>
+              <a:ext cx="105212" cy="198510"/>
+            </a:xfrm>
+            <a:prstGeom prst="arc">
+              <a:avLst>
+                <a:gd name="adj1" fmla="val 10739696"/>
+                <a:gd name="adj2" fmla="val 0"/>
+              </a:avLst>
+            </a:prstGeom>
+            <a:ln w="38100">
+              <a:solidFill>
+                <a:schemeClr val="accent1"/>
+              </a:solidFill>
+            </a:ln>
+          </p:spPr>
+          <p:style>
+            <a:lnRef idx="1">
+              <a:schemeClr val="dk1"/>
+            </a:lnRef>
+            <a:fillRef idx="0">
+              <a:schemeClr val="dk1"/>
+            </a:fillRef>
+            <a:effectRef idx="0">
+              <a:schemeClr val="dk1"/>
+            </a:effectRef>
+            <a:fontRef idx="minor">
+              <a:schemeClr val="tx1"/>
+            </a:fontRef>
+          </p:style>
+          <p:txBody>
+            <a:bodyPr rtlCol="0" anchor="ctr"/>
+            <a:lstStyle/>
+            <a:p>
+              <a:pPr algn="ctr"/>
+              <a:endParaRPr lang="en-IN"/>
+            </a:p>
+          </p:txBody>
+        </p:sp>
+        <p:sp>
+          <p:nvSpPr>
+            <p:cNvPr id="42" name="Arc 41">
+              <a:extLst>
+                <a:ext uri="{FF2B5EF4-FFF2-40B4-BE49-F238E27FC236}">
+                  <a16:creationId xmlns:a16="http://schemas.microsoft.com/office/drawing/2014/main" id="{FAC95FAF-BBD3-2DA2-799A-EC929054FDE4}"/>
+                </a:ext>
+              </a:extLst>
+            </p:cNvPr>
+            <p:cNvSpPr/>
+            <p:nvPr/>
+          </p:nvSpPr>
+          <p:spPr>
+            <a:xfrm rot="16200000">
+              <a:off x="2104585" y="3460130"/>
+              <a:ext cx="277695" cy="230315"/>
+            </a:xfrm>
+            <a:prstGeom prst="arc">
+              <a:avLst>
+                <a:gd name="adj1" fmla="val 10739696"/>
+                <a:gd name="adj2" fmla="val 0"/>
+              </a:avLst>
+            </a:prstGeom>
+            <a:ln w="38100">
+              <a:solidFill>
+                <a:schemeClr val="accent1"/>
+              </a:solidFill>
+            </a:ln>
+          </p:spPr>
+          <p:style>
+            <a:lnRef idx="1">
+              <a:schemeClr val="dk1"/>
+            </a:lnRef>
+            <a:fillRef idx="0">
+              <a:schemeClr val="dk1"/>
+            </a:fillRef>
+            <a:effectRef idx="0">
+              <a:schemeClr val="dk1"/>
+            </a:effectRef>
+            <a:fontRef idx="minor">
+              <a:schemeClr val="tx1"/>
+            </a:fontRef>
+          </p:style>
+          <p:txBody>
+            <a:bodyPr rtlCol="0" anchor="ctr"/>
+            <a:lstStyle/>
+            <a:p>
+              <a:pPr algn="ctr"/>
+              <a:endParaRPr lang="en-IN"/>
+            </a:p>
+          </p:txBody>
+        </p:sp>
+        <p:sp>
+          <p:nvSpPr>
+            <p:cNvPr id="43" name="Arc 42">
+              <a:extLst>
+                <a:ext uri="{FF2B5EF4-FFF2-40B4-BE49-F238E27FC236}">
+                  <a16:creationId xmlns:a16="http://schemas.microsoft.com/office/drawing/2014/main" id="{2ADC982B-8627-E1C3-3D85-C688E98DC269}"/>
+                </a:ext>
+              </a:extLst>
+            </p:cNvPr>
+            <p:cNvSpPr/>
+            <p:nvPr/>
+          </p:nvSpPr>
+          <p:spPr>
+            <a:xfrm rot="16200000" flipV="1">
+              <a:off x="2173754" y="3364640"/>
+              <a:ext cx="96800" cy="240397"/>
+            </a:xfrm>
+            <a:prstGeom prst="arc">
+              <a:avLst>
+                <a:gd name="adj1" fmla="val 10739696"/>
+                <a:gd name="adj2" fmla="val 0"/>
+              </a:avLst>
+            </a:prstGeom>
+            <a:ln w="38100">
+              <a:solidFill>
+                <a:schemeClr val="accent1"/>
+              </a:solidFill>
+            </a:ln>
+          </p:spPr>
+          <p:style>
+            <a:lnRef idx="1">
+              <a:schemeClr val="dk1"/>
+            </a:lnRef>
+            <a:fillRef idx="0">
+              <a:schemeClr val="dk1"/>
+            </a:fillRef>
+            <a:effectRef idx="0">
+              <a:schemeClr val="dk1"/>
+            </a:effectRef>
+            <a:fontRef idx="minor">
+              <a:schemeClr val="tx1"/>
+            </a:fontRef>
+          </p:style>
+          <p:txBody>
+            <a:bodyPr rtlCol="0" anchor="ctr"/>
+            <a:lstStyle/>
+            <a:p>
+              <a:pPr algn="ctr"/>
+              <a:endParaRPr lang="en-IN"/>
+            </a:p>
+          </p:txBody>
+        </p:sp>
         <p:sp>
           <p:nvSpPr>
             <p:cNvPr id="31" name="Arc 30">
@@ -5872,8 +5833,8 @@
             <p:nvPr/>
           </p:nvSpPr>
           <p:spPr>
-            <a:xfrm rot="5400000">
-              <a:off x="402963" y="3829195"/>
+            <a:xfrm rot="16200000">
+              <a:off x="2091425" y="3279234"/>
               <a:ext cx="277695" cy="230315"/>
             </a:xfrm>
             <a:prstGeom prst="arc">
@@ -5882,7 +5843,11 @@
                 <a:gd name="adj2" fmla="val 0"/>
               </a:avLst>
             </a:prstGeom>
-            <a:ln w="38100"/>
+            <a:ln w="38100">
+              <a:solidFill>
+                <a:schemeClr val="accent1"/>
+              </a:solidFill>
+            </a:ln>
           </p:spPr>
           <p:style>
             <a:lnRef idx="1">
@@ -5968,7 +5933,7 @@
         </p:nvGrpSpPr>
         <p:grpSpPr>
           <a:xfrm rot="5400000" flipV="1">
-            <a:off x="4074649" y="3061787"/>
+            <a:off x="4074650" y="3061788"/>
             <a:ext cx="131685" cy="304028"/>
             <a:chOff x="3898812" y="2986773"/>
             <a:chExt cx="232509" cy="554879"/>

--- a/Assets/Powerpoints/semiConverter.pptx
+++ b/Assets/Powerpoints/semiConverter.pptx
@@ -263,7 +263,7 @@
           <a:p>
             <a:fld id="{9C40E5B9-CC53-47D4-9D08-330AD4D6CC12}" type="datetimeFigureOut">
               <a:rPr lang="en-IN" smtClean="0"/>
-              <a:t>19-12-2022</a:t>
+              <a:t>24-12-2022</a:t>
             </a:fld>
             <a:endParaRPr lang="en-IN"/>
           </a:p>
@@ -463,7 +463,7 @@
           <a:p>
             <a:fld id="{9C40E5B9-CC53-47D4-9D08-330AD4D6CC12}" type="datetimeFigureOut">
               <a:rPr lang="en-IN" smtClean="0"/>
-              <a:t>19-12-2022</a:t>
+              <a:t>24-12-2022</a:t>
             </a:fld>
             <a:endParaRPr lang="en-IN"/>
           </a:p>
@@ -673,7 +673,7 @@
           <a:p>
             <a:fld id="{9C40E5B9-CC53-47D4-9D08-330AD4D6CC12}" type="datetimeFigureOut">
               <a:rPr lang="en-IN" smtClean="0"/>
-              <a:t>19-12-2022</a:t>
+              <a:t>24-12-2022</a:t>
             </a:fld>
             <a:endParaRPr lang="en-IN"/>
           </a:p>
@@ -873,7 +873,7 @@
           <a:p>
             <a:fld id="{9C40E5B9-CC53-47D4-9D08-330AD4D6CC12}" type="datetimeFigureOut">
               <a:rPr lang="en-IN" smtClean="0"/>
-              <a:t>19-12-2022</a:t>
+              <a:t>24-12-2022</a:t>
             </a:fld>
             <a:endParaRPr lang="en-IN"/>
           </a:p>
@@ -1149,7 +1149,7 @@
           <a:p>
             <a:fld id="{9C40E5B9-CC53-47D4-9D08-330AD4D6CC12}" type="datetimeFigureOut">
               <a:rPr lang="en-IN" smtClean="0"/>
-              <a:t>19-12-2022</a:t>
+              <a:t>24-12-2022</a:t>
             </a:fld>
             <a:endParaRPr lang="en-IN"/>
           </a:p>
@@ -1417,7 +1417,7 @@
           <a:p>
             <a:fld id="{9C40E5B9-CC53-47D4-9D08-330AD4D6CC12}" type="datetimeFigureOut">
               <a:rPr lang="en-IN" smtClean="0"/>
-              <a:t>19-12-2022</a:t>
+              <a:t>24-12-2022</a:t>
             </a:fld>
             <a:endParaRPr lang="en-IN"/>
           </a:p>
@@ -1832,7 +1832,7 @@
           <a:p>
             <a:fld id="{9C40E5B9-CC53-47D4-9D08-330AD4D6CC12}" type="datetimeFigureOut">
               <a:rPr lang="en-IN" smtClean="0"/>
-              <a:t>19-12-2022</a:t>
+              <a:t>24-12-2022</a:t>
             </a:fld>
             <a:endParaRPr lang="en-IN"/>
           </a:p>
@@ -1974,7 +1974,7 @@
           <a:p>
             <a:fld id="{9C40E5B9-CC53-47D4-9D08-330AD4D6CC12}" type="datetimeFigureOut">
               <a:rPr lang="en-IN" smtClean="0"/>
-              <a:t>19-12-2022</a:t>
+              <a:t>24-12-2022</a:t>
             </a:fld>
             <a:endParaRPr lang="en-IN"/>
           </a:p>
@@ -2087,7 +2087,7 @@
           <a:p>
             <a:fld id="{9C40E5B9-CC53-47D4-9D08-330AD4D6CC12}" type="datetimeFigureOut">
               <a:rPr lang="en-IN" smtClean="0"/>
-              <a:t>19-12-2022</a:t>
+              <a:t>24-12-2022</a:t>
             </a:fld>
             <a:endParaRPr lang="en-IN"/>
           </a:p>
@@ -2400,7 +2400,7 @@
           <a:p>
             <a:fld id="{9C40E5B9-CC53-47D4-9D08-330AD4D6CC12}" type="datetimeFigureOut">
               <a:rPr lang="en-IN" smtClean="0"/>
-              <a:t>19-12-2022</a:t>
+              <a:t>24-12-2022</a:t>
             </a:fld>
             <a:endParaRPr lang="en-IN"/>
           </a:p>
@@ -2689,7 +2689,7 @@
           <a:p>
             <a:fld id="{9C40E5B9-CC53-47D4-9D08-330AD4D6CC12}" type="datetimeFigureOut">
               <a:rPr lang="en-IN" smtClean="0"/>
-              <a:t>19-12-2022</a:t>
+              <a:t>24-12-2022</a:t>
             </a:fld>
             <a:endParaRPr lang="en-IN"/>
           </a:p>
@@ -2932,7 +2932,7 @@
           <a:p>
             <a:fld id="{9C40E5B9-CC53-47D4-9D08-330AD4D6CC12}" type="datetimeFigureOut">
               <a:rPr lang="en-IN" smtClean="0"/>
-              <a:t>19-12-2022</a:t>
+              <a:t>24-12-2022</a:t>
             </a:fld>
             <a:endParaRPr lang="en-IN"/>
           </a:p>
@@ -5933,8 +5933,8 @@
         </p:nvGrpSpPr>
         <p:grpSpPr>
           <a:xfrm rot="5400000" flipV="1">
-            <a:off x="4074650" y="3061788"/>
-            <a:ext cx="131685" cy="304028"/>
+            <a:off x="3921255" y="3215183"/>
+            <a:ext cx="848599" cy="714153"/>
             <a:chOff x="3898812" y="2986773"/>
             <a:chExt cx="232509" cy="554879"/>
           </a:xfrm>
